--- a/Presentasi v2.2.pptx
+++ b/Presentasi v2.2.pptx
@@ -136,7 +136,7 @@
   </p:defaultTextStyle>
   <p:extLst>
     <p:ext uri="{EFAFB233-063F-42B5-8137-9DF3F51BA10A}">
-      <p15:sldGuideLst xmlns:p15="http://schemas.microsoft.com/office/powerpoint/2012/main" xmlns="">
+      <p15:sldGuideLst xmlns="" xmlns:p15="http://schemas.microsoft.com/office/powerpoint/2012/main">
         <p15:guide id="1" orient="horz" pos="2160">
           <p15:clr>
             <a:srgbClr val="A4A3A4"/>
@@ -6365,30 +6365,42 @@
           <a:lstStyle/>
           <a:p>
             <a:r>
-              <a:rPr lang="en-US" sz="4400" dirty="0" smtClean="0"/>
+              <a:rPr lang="en-US" sz="3200" dirty="0" smtClean="0"/>
               <a:t>2.3 </a:t>
             </a:r>
             <a:r>
-              <a:rPr lang="en-US" sz="4400" dirty="0" err="1" smtClean="0"/>
+              <a:rPr lang="en-US" sz="3200" dirty="0" err="1" smtClean="0"/>
               <a:t>Analisis</a:t>
             </a:r>
             <a:r>
-              <a:rPr lang="en-US" sz="4400" dirty="0"/>
+              <a:rPr lang="en-US" sz="3200" dirty="0"/>
               <a:t> </a:t>
             </a:r>
             <a:r>
-              <a:rPr lang="en-US" sz="4400" dirty="0" err="1" smtClean="0"/>
+              <a:rPr lang="en-US" sz="3200" dirty="0" err="1" smtClean="0"/>
               <a:t>Sistem</a:t>
             </a:r>
             <a:r>
-              <a:rPr lang="en-US" sz="4400" dirty="0" smtClean="0"/>
+              <a:rPr lang="en-US" sz="3200" dirty="0" smtClean="0"/>
               <a:t> </a:t>
             </a:r>
             <a:r>
-              <a:rPr lang="en-US" sz="4400" dirty="0" err="1" smtClean="0"/>
+              <a:rPr lang="en-US" sz="3200" dirty="0" err="1" smtClean="0"/>
               <a:t>Penilaian</a:t>
             </a:r>
-            <a:endParaRPr lang="en-US" sz="4400" dirty="0"/>
+            <a:r>
+              <a:rPr lang="en-US" sz="3200" dirty="0" smtClean="0"/>
+              <a:t> – </a:t>
+            </a:r>
+            <a:r>
+              <a:rPr lang="en-US" sz="3200" dirty="0" err="1" smtClean="0"/>
+              <a:t>Konversi</a:t>
+            </a:r>
+            <a:r>
+              <a:rPr lang="en-US" sz="3200" dirty="0" smtClean="0"/>
+              <a:t> Data</a:t>
+            </a:r>
+            <a:endParaRPr lang="en-US" sz="3200" dirty="0"/>
           </a:p>
         </p:txBody>
       </p:sp>
@@ -9051,20 +9063,20 @@
           <p:nvPr>
             <p:extLst>
               <p:ext uri="{D42A27DB-BD31-4B8C-83A1-F6EECF244321}">
-                <p14:modId xmlns:p14="http://schemas.microsoft.com/office/powerpoint/2010/main" val="25546136"/>
+                <p14:modId xmlns:p14="http://schemas.microsoft.com/office/powerpoint/2010/main" val="1963188211"/>
               </p:ext>
             </p:extLst>
           </p:nvPr>
         </p:nvGraphicFramePr>
         <p:xfrm>
-          <a:off x="4265060" y="3038475"/>
+          <a:off x="4265060" y="3114675"/>
           <a:ext cx="914400" cy="771525"/>
         </p:xfrm>
         <a:graphic>
           <a:graphicData uri="http://schemas.openxmlformats.org/presentationml/2006/ole">
             <mc:AlternateContent xmlns:mc="http://schemas.openxmlformats.org/markup-compatibility/2006">
               <mc:Choice xmlns:v="urn:schemas-microsoft-com:vml" Requires="v">
-                <p:oleObj spid="_x0000_s3077" name="Worksheet" showAsIcon="1" r:id="rId3" imgW="914400" imgH="771480" progId="Excel.Sheet.12">
+                <p:oleObj spid="_x0000_s3085" name="Worksheet" showAsIcon="1" r:id="rId3" imgW="914400" imgH="771480" progId="Excel.Sheet.12">
                   <p:embed/>
                 </p:oleObj>
               </mc:Choice>
@@ -9085,7 +9097,7 @@
                     </p:blipFill>
                     <p:spPr>
                       <a:xfrm>
-                        <a:off x="4265060" y="3038475"/>
+                        <a:off x="4265060" y="3114675"/>
                         <a:ext cx="914400" cy="771525"/>
                       </a:xfrm>
                       <a:prstGeom prst="rect">
@@ -9778,7 +9790,7 @@
             <p:ph idx="1"/>
             <p:extLst>
               <p:ext uri="{D42A27DB-BD31-4B8C-83A1-F6EECF244321}">
-                <p14:modId xmlns:p14="http://schemas.microsoft.com/office/powerpoint/2010/main" val="1290798610"/>
+                <p14:modId xmlns:p14="http://schemas.microsoft.com/office/powerpoint/2010/main" val="3895088634"/>
               </p:ext>
             </p:extLst>
           </p:nvPr>
@@ -10888,14 +10900,14 @@
                         </a:spcAft>
                       </a:pPr>
                       <a:r>
-                        <a:rPr lang="en-US" sz="1600" dirty="0">
+                        <a:rPr lang="en-US" sz="1600" dirty="0" smtClean="0">
                           <a:effectLst/>
                         </a:rPr>
                         <a:t>TRUE</a:t>
                       </a:r>
                       <a:endParaRPr lang="en-US" sz="1600" dirty="0">
                         <a:effectLst/>
-                        <a:latin typeface="Calibri"/>
+                        <a:latin typeface="+mn-lt"/>
                         <a:ea typeface="Calibri"/>
                         <a:cs typeface="Times New Roman"/>
                       </a:endParaRPr>
@@ -10924,12 +10936,12 @@
                         </a:spcAft>
                       </a:pPr>
                       <a:r>
-                        <a:rPr lang="en-US" sz="1600">
+                        <a:rPr lang="en-US" sz="1600" dirty="0">
                           <a:effectLst/>
                         </a:rPr>
                         <a:t>FALSE</a:t>
                       </a:r>
-                      <a:endParaRPr lang="en-US" sz="1600">
+                      <a:endParaRPr lang="en-US" sz="1600" dirty="0">
                         <a:effectLst/>
                         <a:latin typeface="Calibri"/>
                         <a:ea typeface="Calibri"/>
@@ -12845,15 +12857,7 @@
             </a:r>
             <a:r>
               <a:rPr lang="en-US" dirty="0" smtClean="0"/>
-              <a:t> di </a:t>
-            </a:r>
-            <a:r>
-              <a:rPr lang="en-US" dirty="0" smtClean="0"/>
-              <a:t>Excel</a:t>
-            </a:r>
-            <a:r>
-              <a:rPr lang="en-US" dirty="0" smtClean="0"/>
-              <a:t>)</a:t>
+              <a:t> di Excel)</a:t>
             </a:r>
             <a:endParaRPr lang="en-US" dirty="0"/>
           </a:p>
@@ -12868,7 +12872,7 @@
           <p:nvPr>
             <p:extLst>
               <p:ext uri="{D42A27DB-BD31-4B8C-83A1-F6EECF244321}">
-                <p14:modId xmlns:p14="http://schemas.microsoft.com/office/powerpoint/2010/main" val="3555993995"/>
+                <p14:modId xmlns:p14="http://schemas.microsoft.com/office/powerpoint/2010/main" val="4159653863"/>
               </p:ext>
             </p:extLst>
           </p:nvPr>
@@ -12881,7 +12885,7 @@
           <a:graphicData uri="http://schemas.openxmlformats.org/presentationml/2006/ole">
             <mc:AlternateContent xmlns:mc="http://schemas.openxmlformats.org/markup-compatibility/2006">
               <mc:Choice xmlns:v="urn:schemas-microsoft-com:vml" Requires="v">
-                <p:oleObj spid="_x0000_s1048" name="Worksheet" showAsIcon="1" r:id="rId3" imgW="914400" imgH="771480" progId="Excel.Sheet.12">
+                <p:oleObj spid="_x0000_s1066" name="Worksheet" showAsIcon="1" r:id="rId3" imgW="914400" imgH="771480" progId="Excel.Sheet.12">
                   <p:embed/>
                 </p:oleObj>
               </mc:Choice>
@@ -12959,7 +12963,7 @@
           <p:nvPr>
             <p:extLst>
               <p:ext uri="{D42A27DB-BD31-4B8C-83A1-F6EECF244321}">
-                <p14:modId xmlns:p14="http://schemas.microsoft.com/office/powerpoint/2010/main" val="1576674173"/>
+                <p14:modId xmlns:p14="http://schemas.microsoft.com/office/powerpoint/2010/main" val="3585306106"/>
               </p:ext>
             </p:extLst>
           </p:nvPr>
@@ -12972,7 +12976,7 @@
           <a:graphicData uri="http://schemas.openxmlformats.org/presentationml/2006/ole">
             <mc:AlternateContent xmlns:mc="http://schemas.openxmlformats.org/markup-compatibility/2006">
               <mc:Choice xmlns:v="urn:schemas-microsoft-com:vml" Requires="v">
-                <p:oleObj spid="_x0000_s1049" name="Worksheet" showAsIcon="1" r:id="rId5" imgW="914400" imgH="771480" progId="Excel.Sheet.12">
+                <p:oleObj spid="_x0000_s1067" name="Worksheet" showAsIcon="1" r:id="rId5" imgW="914400" imgH="771480" progId="Excel.Sheet.12">
                   <p:embed/>
                 </p:oleObj>
               </mc:Choice>
@@ -14663,28 +14667,36 @@
               <a:t> </a:t>
             </a:r>
             <a:r>
-              <a:rPr lang="en-US" dirty="0" err="1"/>
+              <a:rPr lang="en-US" dirty="0" smtClean="0"/>
+              <a:t>di </a:t>
+            </a:r>
+            <a:r>
+              <a:rPr lang="en-US" dirty="0" err="1"/>
+              <a:t>luar</a:t>
+            </a:r>
+            <a:r>
+              <a:rPr lang="en-US" dirty="0"/>
+              <a:t> </a:t>
+            </a:r>
+            <a:r>
+              <a:rPr lang="en-US" dirty="0" err="1"/>
+              <a:t>sana</a:t>
+            </a:r>
+            <a:r>
+              <a:rPr lang="en-US" dirty="0"/>
+              <a:t> </a:t>
+            </a:r>
+            <a:r>
+              <a:rPr lang="en-US" dirty="0" err="1" smtClean="0"/>
               <a:t>banyak</a:t>
             </a:r>
             <a:r>
-              <a:rPr lang="en-US" dirty="0"/>
-              <a:t> di </a:t>
-            </a:r>
-            <a:r>
-              <a:rPr lang="en-US" dirty="0" err="1"/>
-              <a:t>luar</a:t>
-            </a:r>
-            <a:r>
-              <a:rPr lang="en-US" dirty="0"/>
-              <a:t> </a:t>
-            </a:r>
-            <a:r>
-              <a:rPr lang="en-US" dirty="0" err="1"/>
-              <a:t>sana</a:t>
-            </a:r>
-            <a:r>
-              <a:rPr lang="en-US" dirty="0"/>
-              <a:t> orang-orang yang </a:t>
+              <a:rPr lang="en-US" dirty="0" smtClean="0"/>
+              <a:t> orang-orang </a:t>
+            </a:r>
+            <a:r>
+              <a:rPr lang="en-US" dirty="0"/>
+              <a:t>yang </a:t>
             </a:r>
             <a:r>
               <a:rPr lang="en-US" dirty="0" err="1"/>
@@ -14945,47 +14957,13 @@
               <a:t> </a:t>
             </a:r>
             <a:r>
-              <a:rPr lang="en-US" dirty="0" err="1"/>
+              <a:rPr lang="en-US" dirty="0" err="1" smtClean="0"/>
               <a:t>tepat</a:t>
             </a:r>
             <a:r>
               <a:rPr lang="en-US" dirty="0"/>
-              <a:t> smartphone </a:t>
-            </a:r>
-            <a:r>
-              <a:rPr lang="en-US" dirty="0" err="1"/>
-              <a:t>apa</a:t>
-            </a:r>
-            <a:r>
-              <a:rPr lang="en-US" dirty="0"/>
-              <a:t> yang </a:t>
-            </a:r>
-            <a:r>
-              <a:rPr lang="en-US" dirty="0" err="1"/>
-              <a:t>akan</a:t>
-            </a:r>
-            <a:r>
-              <a:rPr lang="en-US" dirty="0"/>
-              <a:t> </a:t>
-            </a:r>
-            <a:r>
-              <a:rPr lang="en-US" dirty="0" err="1"/>
-              <a:t>dibeli</a:t>
-            </a:r>
-            <a:r>
-              <a:rPr lang="en-US" dirty="0"/>
-              <a:t> </a:t>
-            </a:r>
-            <a:r>
-              <a:rPr lang="en-US" dirty="0" err="1"/>
-              <a:t>oleh</a:t>
-            </a:r>
-            <a:r>
-              <a:rPr lang="en-US" dirty="0"/>
-              <a:t> user.</a:t>
-            </a:r>
-          </a:p>
-          <a:p>
+              <a:t>.</a:t>
+            </a:r>
             <a:endParaRPr lang="en-US" dirty="0"/>
           </a:p>
         </p:txBody>
@@ -15115,7 +15093,19 @@
             </a:r>
             <a:r>
               <a:rPr lang="en-US" dirty="0"/>
-              <a:t> database </a:t>
+              <a:t> </a:t>
+            </a:r>
+            <a:r>
+              <a:rPr lang="en-US" dirty="0" smtClean="0"/>
+              <a:t>database(</a:t>
+            </a:r>
+            <a:r>
+              <a:rPr lang="en-US" dirty="0" err="1" smtClean="0"/>
+              <a:t>daftar</a:t>
+            </a:r>
+            <a:r>
+              <a:rPr lang="en-US" dirty="0" smtClean="0"/>
+              <a:t> smartphone) </a:t>
             </a:r>
             <a:r>
               <a:rPr lang="en-US" dirty="0" err="1"/>
@@ -15601,6 +15591,13 @@
   <p:clrMapOvr>
     <a:masterClrMapping/>
   </p:clrMapOvr>
+  <p:timing>
+    <p:tnLst>
+      <p:par>
+        <p:cTn id="1" dur="indefinite" restart="never" nodeType="tmRoot"/>
+      </p:par>
+    </p:tnLst>
+  </p:timing>
 </p:sld>
 </file>
 
